--- a/capstone.pptx
+++ b/capstone.pptx
@@ -12881,14 +12881,14 @@
           <p:nvPr>
             <p:extLst>
               <p:ext uri="{D42A27DB-BD31-4B8C-83A1-F6EECF244321}">
-                <p14:modId xmlns:p14="http://schemas.microsoft.com/office/powerpoint/2010/main" val="3393977113"/>
+                <p14:modId xmlns:p14="http://schemas.microsoft.com/office/powerpoint/2010/main" val="3653344319"/>
               </p:ext>
             </p:extLst>
           </p:nvPr>
         </p:nvGraphicFramePr>
         <p:xfrm>
-          <a:off x="2260600" y="3125409"/>
-          <a:ext cx="8128001" cy="1010920"/>
+          <a:off x="947056" y="3125409"/>
+          <a:ext cx="10472056" cy="1280160"/>
         </p:xfrm>
         <a:graphic>
           <a:graphicData uri="http://schemas.openxmlformats.org/drawingml/2006/table">
@@ -12897,52 +12897,59 @@
                 <a:tableStyleId>{5C22544A-7EE6-4342-B048-85BDC9FD1C3A}</a:tableStyleId>
               </a:tblPr>
               <a:tblGrid>
-                <a:gridCol w="1161143">
+                <a:gridCol w="1309007">
                   <a:extLst>
                     <a:ext uri="{9D8B030D-6E8A-4147-A177-3AD203B41FA5}">
                       <a16:colId xmlns:a16="http://schemas.microsoft.com/office/drawing/2014/main" val="3055667061"/>
                     </a:ext>
                   </a:extLst>
                 </a:gridCol>
-                <a:gridCol w="1161143">
+                <a:gridCol w="1309007">
                   <a:extLst>
                     <a:ext uri="{9D8B030D-6E8A-4147-A177-3AD203B41FA5}">
                       <a16:colId xmlns:a16="http://schemas.microsoft.com/office/drawing/2014/main" val="2314802022"/>
                     </a:ext>
                   </a:extLst>
                 </a:gridCol>
-                <a:gridCol w="1161143">
+                <a:gridCol w="1309007">
                   <a:extLst>
                     <a:ext uri="{9D8B030D-6E8A-4147-A177-3AD203B41FA5}">
                       <a16:colId xmlns:a16="http://schemas.microsoft.com/office/drawing/2014/main" val="4027186266"/>
                     </a:ext>
                   </a:extLst>
                 </a:gridCol>
-                <a:gridCol w="1161143">
+                <a:gridCol w="1309007">
                   <a:extLst>
                     <a:ext uri="{9D8B030D-6E8A-4147-A177-3AD203B41FA5}">
                       <a16:colId xmlns:a16="http://schemas.microsoft.com/office/drawing/2014/main" val="136412271"/>
                     </a:ext>
                   </a:extLst>
                 </a:gridCol>
-                <a:gridCol w="1161143">
+                <a:gridCol w="1309007">
                   <a:extLst>
                     <a:ext uri="{9D8B030D-6E8A-4147-A177-3AD203B41FA5}">
                       <a16:colId xmlns:a16="http://schemas.microsoft.com/office/drawing/2014/main" val="3362396383"/>
                     </a:ext>
                   </a:extLst>
                 </a:gridCol>
-                <a:gridCol w="1161143">
+                <a:gridCol w="1309007">
                   <a:extLst>
                     <a:ext uri="{9D8B030D-6E8A-4147-A177-3AD203B41FA5}">
                       <a16:colId xmlns:a16="http://schemas.microsoft.com/office/drawing/2014/main" val="2206501361"/>
                     </a:ext>
                   </a:extLst>
                 </a:gridCol>
-                <a:gridCol w="1161143">
+                <a:gridCol w="1309007">
                   <a:extLst>
                     <a:ext uri="{9D8B030D-6E8A-4147-A177-3AD203B41FA5}">
                       <a16:colId xmlns:a16="http://schemas.microsoft.com/office/drawing/2014/main" val="1672431652"/>
+                    </a:ext>
+                  </a:extLst>
+                </a:gridCol>
+                <a:gridCol w="1309007">
+                  <a:extLst>
+                    <a:ext uri="{9D8B030D-6E8A-4147-A177-3AD203B41FA5}">
+                      <a16:colId xmlns:a16="http://schemas.microsoft.com/office/drawing/2014/main" val="620641900"/>
                     </a:ext>
                   </a:extLst>
                 </a:gridCol>
@@ -12978,7 +12985,7 @@
                             <a:schemeClr val="tx1"/>
                           </a:solidFill>
                         </a:rPr>
-                        <a:t>Train score</a:t>
+                        <a:t>Train Score</a:t>
                       </a:r>
                     </a:p>
                   </a:txBody>
@@ -13068,6 +13075,24 @@
                             <a:schemeClr val="tx1"/>
                           </a:solidFill>
                         </a:rPr>
+                        <a:t>Specificity</a:t>
+                      </a:r>
+                    </a:p>
+                  </a:txBody>
+                  <a:tcPr/>
+                </a:tc>
+                <a:tc>
+                  <a:txBody>
+                    <a:bodyPr/>
+                    <a:lstStyle/>
+                    <a:p>
+                      <a:pPr algn="ctr"/>
+                      <a:r>
+                        <a:rPr lang="en-US" dirty="0">
+                          <a:solidFill>
+                            <a:schemeClr val="tx1"/>
+                          </a:solidFill>
+                        </a:rPr>
                         <a:t>F1</a:t>
                       </a:r>
                     </a:p>
@@ -13086,7 +13111,19 @@
                     <a:bodyPr/>
                     <a:lstStyle/>
                     <a:p>
-                      <a:endParaRPr lang="en-US"/>
+                      <a:r>
+                        <a:rPr lang="en-US" sz="1800" b="0" i="0" kern="1200" dirty="0">
+                          <a:solidFill>
+                            <a:schemeClr val="dk1"/>
+                          </a:solidFill>
+                          <a:effectLst/>
+                          <a:latin typeface="+mn-lt"/>
+                          <a:ea typeface="+mn-ea"/>
+                          <a:cs typeface="+mn-cs"/>
+                        </a:rPr>
+                        <a:t>0.6255166217430368</a:t>
+                      </a:r>
+                      <a:endParaRPr lang="en-US" dirty="0"/>
                     </a:p>
                   </a:txBody>
                   <a:tcPr/>
@@ -13096,7 +13133,19 @@
                     <a:bodyPr/>
                     <a:lstStyle/>
                     <a:p>
-                      <a:endParaRPr lang="en-US"/>
+                      <a:r>
+                        <a:rPr lang="en-US" sz="1800" b="0" i="0" kern="1200" dirty="0">
+                          <a:solidFill>
+                            <a:schemeClr val="dk1"/>
+                          </a:solidFill>
+                          <a:effectLst/>
+                          <a:latin typeface="+mn-lt"/>
+                          <a:ea typeface="+mn-ea"/>
+                          <a:cs typeface="+mn-cs"/>
+                        </a:rPr>
+                        <a:t>0.62785265049416</a:t>
+                      </a:r>
+                      <a:endParaRPr lang="en-US" dirty="0"/>
                     </a:p>
                   </a:txBody>
                   <a:tcPr/>
@@ -13106,7 +13155,19 @@
                     <a:bodyPr/>
                     <a:lstStyle/>
                     <a:p>
-                      <a:endParaRPr lang="en-US"/>
+                      <a:r>
+                        <a:rPr lang="en-US" sz="1800" b="0" i="0" kern="1200" dirty="0">
+                          <a:solidFill>
+                            <a:schemeClr val="dk1"/>
+                          </a:solidFill>
+                          <a:effectLst/>
+                          <a:latin typeface="+mn-lt"/>
+                          <a:ea typeface="+mn-ea"/>
+                          <a:cs typeface="+mn-cs"/>
+                        </a:rPr>
+                        <a:t>0.6370494551550713</a:t>
+                      </a:r>
+                      <a:endParaRPr lang="en-US" dirty="0"/>
                     </a:p>
                   </a:txBody>
                   <a:tcPr/>
@@ -13116,7 +13177,19 @@
                     <a:bodyPr/>
                     <a:lstStyle/>
                     <a:p>
-                      <a:endParaRPr lang="en-US"/>
+                      <a:r>
+                        <a:rPr lang="en-US" sz="1800" b="0" i="0" kern="1200" dirty="0">
+                          <a:solidFill>
+                            <a:schemeClr val="dk1"/>
+                          </a:solidFill>
+                          <a:effectLst/>
+                          <a:latin typeface="+mn-lt"/>
+                          <a:ea typeface="+mn-ea"/>
+                          <a:cs typeface="+mn-cs"/>
+                        </a:rPr>
+                        <a:t>0.6357709543381819</a:t>
+                      </a:r>
+                      <a:endParaRPr lang="en-US" dirty="0"/>
                     </a:p>
                   </a:txBody>
                   <a:tcPr/>
@@ -13126,7 +13199,19 @@
                     <a:bodyPr/>
                     <a:lstStyle/>
                     <a:p>
-                      <a:endParaRPr lang="en-US"/>
+                      <a:r>
+                        <a:rPr lang="en-US" sz="1800" b="0" i="0" kern="1200" dirty="0">
+                          <a:solidFill>
+                            <a:schemeClr val="dk1"/>
+                          </a:solidFill>
+                          <a:effectLst/>
+                          <a:latin typeface="+mn-lt"/>
+                          <a:ea typeface="+mn-ea"/>
+                          <a:cs typeface="+mn-cs"/>
+                        </a:rPr>
+                        <a:t>0.5631399317406144</a:t>
+                      </a:r>
+                      <a:endParaRPr lang="en-US" dirty="0"/>
                     </a:p>
                   </a:txBody>
                   <a:tcPr/>
@@ -13136,7 +13221,19 @@
                     <a:bodyPr/>
                     <a:lstStyle/>
                     <a:p>
-                      <a:endParaRPr lang="en-US"/>
+                      <a:r>
+                        <a:rPr lang="en-US" sz="1800" b="0" i="0" kern="1200" dirty="0">
+                          <a:solidFill>
+                            <a:schemeClr val="dk1"/>
+                          </a:solidFill>
+                          <a:effectLst/>
+                          <a:latin typeface="+mn-lt"/>
+                          <a:ea typeface="+mn-ea"/>
+                          <a:cs typeface="+mn-cs"/>
+                        </a:rPr>
+                        <a:t>0.650887573964497</a:t>
+                      </a:r>
+                      <a:endParaRPr lang="en-US" dirty="0"/>
                     </a:p>
                   </a:txBody>
                   <a:tcPr/>
@@ -13146,6 +13243,40 @@
                     <a:bodyPr/>
                     <a:lstStyle/>
                     <a:p>
+                      <a:r>
+                        <a:rPr lang="en-US" sz="1800" b="0" i="0" kern="1200" dirty="0">
+                          <a:solidFill>
+                            <a:schemeClr val="dk1"/>
+                          </a:solidFill>
+                          <a:effectLst/>
+                          <a:latin typeface="+mn-lt"/>
+                          <a:ea typeface="+mn-ea"/>
+                          <a:cs typeface="+mn-cs"/>
+                        </a:rPr>
+                        <a:t>0.5631399317406144</a:t>
+                      </a:r>
+                      <a:endParaRPr lang="en-US" dirty="0"/>
+                    </a:p>
+                  </a:txBody>
+                  <a:tcPr/>
+                </a:tc>
+                <a:tc>
+                  <a:txBody>
+                    <a:bodyPr/>
+                    <a:lstStyle/>
+                    <a:p>
+                      <a:r>
+                        <a:rPr lang="en-US" sz="1800" b="0" i="0" kern="1200" dirty="0">
+                          <a:solidFill>
+                            <a:schemeClr val="dk1"/>
+                          </a:solidFill>
+                          <a:effectLst/>
+                          <a:latin typeface="+mn-lt"/>
+                          <a:ea typeface="+mn-ea"/>
+                          <a:cs typeface="+mn-cs"/>
+                        </a:rPr>
+                        <a:t>0.6038426349496798</a:t>
+                      </a:r>
                       <a:endParaRPr lang="en-US" dirty="0"/>
                     </a:p>
                   </a:txBody>
@@ -17461,6 +17592,15 @@
 </file>
 
 <file path=customXml/item2.xml><?xml version="1.0" encoding="utf-8"?>
+<?mso-contentType ?>
+<FormTemplates xmlns="http://schemas.microsoft.com/sharepoint/v3/contenttype/forms">
+  <Display>DocumentLibraryForm</Display>
+  <Edit>DocumentLibraryForm</Edit>
+  <New>DocumentLibraryForm</New>
+</FormTemplates>
+</file>
+
+<file path=customXml/item3.xml><?xml version="1.0" encoding="utf-8"?>
 <ct:contentTypeSchema xmlns:ct="http://schemas.microsoft.com/office/2006/metadata/contentType" xmlns:ma="http://schemas.microsoft.com/office/2006/metadata/properties/metaAttributes" ct:_="" ma:_="" ma:contentTypeName="Document" ma:contentTypeID="0x01010079F111ED35F8CC479449609E8A0923A6" ma:contentTypeVersion="18" ma:contentTypeDescription="Create a new document." ma:contentTypeScope="" ma:versionID="22a266b9fa9a230c5a512669d8b298c3">
   <xsd:schema xmlns:xsd="http://www.w3.org/2001/XMLSchema" xmlns:xs="http://www.w3.org/2001/XMLSchema" xmlns:p="http://schemas.microsoft.com/office/2006/metadata/properties" xmlns:ns1="http://schemas.microsoft.com/sharepoint/v3" xmlns:ns2="71af3243-3dd4-4a8d-8c0d-dd76da1f02a5" xmlns:ns3="16c05727-aa75-4e4a-9b5f-8a80a1165891" xmlns:ns4="230e9df3-be65-4c73-a93b-d1236ebd677e" targetNamespace="http://schemas.microsoft.com/office/2006/metadata/properties" ma:root="true" ma:fieldsID="eddc33fff6b14141ee5c74a0d29ea6a1" ns1:_="" ns2:_="" ns3:_="" ns4:_="">
     <xsd:import namespace="http://schemas.microsoft.com/sharepoint/v3"/>
@@ -17736,15 +17876,6 @@
 </ct:contentTypeSchema>
 </file>
 
-<file path=customXml/item3.xml><?xml version="1.0" encoding="utf-8"?>
-<?mso-contentType ?>
-<FormTemplates xmlns="http://schemas.microsoft.com/sharepoint/v3/contenttype/forms">
-  <Display>DocumentLibraryForm</Display>
-  <Edit>DocumentLibraryForm</Edit>
-  <New>DocumentLibraryForm</New>
-</FormTemplates>
-</file>
-
 <file path=customXml/itemProps1.xml><?xml version="1.0" encoding="utf-8"?>
 <ds:datastoreItem xmlns:ds="http://schemas.openxmlformats.org/officeDocument/2006/customXml" ds:itemID="{0595BB57-19EB-4557-B5D2-B6E7784AF408}">
   <ds:schemaRefs>
@@ -17758,6 +17889,14 @@
 </file>
 
 <file path=customXml/itemProps2.xml><?xml version="1.0" encoding="utf-8"?>
+<ds:datastoreItem xmlns:ds="http://schemas.openxmlformats.org/officeDocument/2006/customXml" ds:itemID="{B8AAEAA2-4CF8-449D-8745-25872C8482C9}">
+  <ds:schemaRefs>
+    <ds:schemaRef ds:uri="http://schemas.microsoft.com/sharepoint/v3/contenttype/forms"/>
+  </ds:schemaRefs>
+</ds:datastoreItem>
+</file>
+
+<file path=customXml/itemProps3.xml><?xml version="1.0" encoding="utf-8"?>
 <ds:datastoreItem xmlns:ds="http://schemas.openxmlformats.org/officeDocument/2006/customXml" ds:itemID="{811E5987-7DAE-478C-B57E-B58680B871A0}">
   <ds:schemaRefs>
     <ds:schemaRef ds:uri="http://schemas.microsoft.com/office/2006/metadata/contentType"/>
@@ -17776,12 +17915,4 @@
     <ds:schemaRef ds:uri="http://schemas.microsoft.com/internal/obd"/>
   </ds:schemaRefs>
 </ds:datastoreItem>
-</file>
-
-<file path=customXml/itemProps3.xml><?xml version="1.0" encoding="utf-8"?>
-<ds:datastoreItem xmlns:ds="http://schemas.openxmlformats.org/officeDocument/2006/customXml" ds:itemID="{B8AAEAA2-4CF8-449D-8745-25872C8482C9}">
-  <ds:schemaRefs>
-    <ds:schemaRef ds:uri="http://schemas.microsoft.com/sharepoint/v3/contenttype/forms"/>
-  </ds:schemaRefs>
-</ds:datastoreItem>
 </file>